--- a/Slides/Ders 4 SQL.pptx
+++ b/Slides/Ders 4 SQL.pptx
@@ -200,7 +200,7 @@
           <a:p>
             <a:fld id="{DD4244C5-5D67-C540-97C4-F007CFC432EF}" type="datetimeFigureOut">
               <a:rPr lang="tr-TR" smtClean="0"/>
-              <a:t>28.03.2023</a:t>
+              <a:t>11.03.2024</a:t>
             </a:fld>
             <a:endParaRPr lang="tr-TR"/>
           </a:p>
@@ -599,7 +599,7 @@
           <a:p>
             <a:fld id="{26396F4E-1D0B-3F44-AA0F-A3430AE5742F}" type="datetimeFigureOut">
               <a:rPr lang="tr-TR" smtClean="0"/>
-              <a:t>28.03.2023</a:t>
+              <a:t>11.03.2024</a:t>
             </a:fld>
             <a:endParaRPr lang="tr-TR"/>
           </a:p>
@@ -769,7 +769,7 @@
           <a:p>
             <a:fld id="{26396F4E-1D0B-3F44-AA0F-A3430AE5742F}" type="datetimeFigureOut">
               <a:rPr lang="tr-TR" smtClean="0"/>
-              <a:t>28.03.2023</a:t>
+              <a:t>11.03.2024</a:t>
             </a:fld>
             <a:endParaRPr lang="tr-TR"/>
           </a:p>
@@ -949,7 +949,7 @@
           <a:p>
             <a:fld id="{26396F4E-1D0B-3F44-AA0F-A3430AE5742F}" type="datetimeFigureOut">
               <a:rPr lang="tr-TR" smtClean="0"/>
-              <a:t>28.03.2023</a:t>
+              <a:t>11.03.2024</a:t>
             </a:fld>
             <a:endParaRPr lang="tr-TR"/>
           </a:p>
@@ -1119,7 +1119,7 @@
           <a:p>
             <a:fld id="{26396F4E-1D0B-3F44-AA0F-A3430AE5742F}" type="datetimeFigureOut">
               <a:rPr lang="tr-TR" smtClean="0"/>
-              <a:t>28.03.2023</a:t>
+              <a:t>11.03.2024</a:t>
             </a:fld>
             <a:endParaRPr lang="tr-TR"/>
           </a:p>
@@ -1363,7 +1363,7 @@
           <a:p>
             <a:fld id="{26396F4E-1D0B-3F44-AA0F-A3430AE5742F}" type="datetimeFigureOut">
               <a:rPr lang="tr-TR" smtClean="0"/>
-              <a:t>28.03.2023</a:t>
+              <a:t>11.03.2024</a:t>
             </a:fld>
             <a:endParaRPr lang="tr-TR"/>
           </a:p>
@@ -1595,7 +1595,7 @@
           <a:p>
             <a:fld id="{26396F4E-1D0B-3F44-AA0F-A3430AE5742F}" type="datetimeFigureOut">
               <a:rPr lang="tr-TR" smtClean="0"/>
-              <a:t>28.03.2023</a:t>
+              <a:t>11.03.2024</a:t>
             </a:fld>
             <a:endParaRPr lang="tr-TR"/>
           </a:p>
@@ -1962,7 +1962,7 @@
           <a:p>
             <a:fld id="{26396F4E-1D0B-3F44-AA0F-A3430AE5742F}" type="datetimeFigureOut">
               <a:rPr lang="tr-TR" smtClean="0"/>
-              <a:t>28.03.2023</a:t>
+              <a:t>11.03.2024</a:t>
             </a:fld>
             <a:endParaRPr lang="tr-TR"/>
           </a:p>
@@ -2080,7 +2080,7 @@
           <a:p>
             <a:fld id="{26396F4E-1D0B-3F44-AA0F-A3430AE5742F}" type="datetimeFigureOut">
               <a:rPr lang="tr-TR" smtClean="0"/>
-              <a:t>28.03.2023</a:t>
+              <a:t>11.03.2024</a:t>
             </a:fld>
             <a:endParaRPr lang="tr-TR"/>
           </a:p>
@@ -2175,7 +2175,7 @@
           <a:p>
             <a:fld id="{26396F4E-1D0B-3F44-AA0F-A3430AE5742F}" type="datetimeFigureOut">
               <a:rPr lang="tr-TR" smtClean="0"/>
-              <a:t>28.03.2023</a:t>
+              <a:t>11.03.2024</a:t>
             </a:fld>
             <a:endParaRPr lang="tr-TR"/>
           </a:p>
@@ -2452,7 +2452,7 @@
           <a:p>
             <a:fld id="{26396F4E-1D0B-3F44-AA0F-A3430AE5742F}" type="datetimeFigureOut">
               <a:rPr lang="tr-TR" smtClean="0"/>
-              <a:t>28.03.2023</a:t>
+              <a:t>11.03.2024</a:t>
             </a:fld>
             <a:endParaRPr lang="tr-TR"/>
           </a:p>
@@ -2709,7 +2709,7 @@
           <a:p>
             <a:fld id="{26396F4E-1D0B-3F44-AA0F-A3430AE5742F}" type="datetimeFigureOut">
               <a:rPr lang="tr-TR" smtClean="0"/>
-              <a:t>28.03.2023</a:t>
+              <a:t>11.03.2024</a:t>
             </a:fld>
             <a:endParaRPr lang="tr-TR"/>
           </a:p>
@@ -2922,7 +2922,7 @@
           <a:p>
             <a:fld id="{26396F4E-1D0B-3F44-AA0F-A3430AE5742F}" type="datetimeFigureOut">
               <a:rPr lang="tr-TR" smtClean="0"/>
-              <a:t>28.03.2023</a:t>
+              <a:t>11.03.2024</a:t>
             </a:fld>
             <a:endParaRPr lang="tr-TR"/>
           </a:p>
@@ -3511,8 +3511,13 @@
           <a:p>
             <a:r>
               <a:rPr lang="tr-TR" dirty="0"/>
-              <a:t>Oda: 329</a:t>
-            </a:r>
+              <a:t>Oda</a:t>
+            </a:r>
+            <a:r>
+              <a:rPr lang="tr-TR"/>
+              <a:t>: 335</a:t>
+            </a:r>
+            <a:endParaRPr lang="tr-TR" dirty="0"/>
           </a:p>
         </p:txBody>
       </p:sp>
